--- a/Sec_14.15/現代の金融政策_15.pptx
+++ b/Sec_14.15/現代の金融政策_15.pptx
@@ -5,17 +5,20 @@
     <p:sldMasterId id="2147483768" r:id="rId1"/>
   </p:sldMasterIdLst>
   <p:notesMasterIdLst>
-    <p:notesMasterId r:id="rId7"/>
+    <p:notesMasterId r:id="rId10"/>
   </p:notesMasterIdLst>
   <p:handoutMasterIdLst>
-    <p:handoutMasterId r:id="rId8"/>
+    <p:handoutMasterId r:id="rId11"/>
   </p:handoutMasterIdLst>
   <p:sldIdLst>
     <p:sldId id="952" r:id="rId2"/>
     <p:sldId id="958" r:id="rId3"/>
     <p:sldId id="954" r:id="rId4"/>
     <p:sldId id="955" r:id="rId5"/>
-    <p:sldId id="891" r:id="rId6"/>
+    <p:sldId id="959" r:id="rId6"/>
+    <p:sldId id="960" r:id="rId7"/>
+    <p:sldId id="961" r:id="rId8"/>
+    <p:sldId id="891" r:id="rId9"/>
   </p:sldIdLst>
   <p:sldSz cx="9144000" cy="6858000" type="screen4x3"/>
   <p:notesSz cx="6858000" cy="9144000"/>
@@ -116,7 +119,7 @@
   </p:defaultTextStyle>
   <p:extLst>
     <p:ext uri="{EFAFB233-063F-42B5-8137-9DF3F51BA10A}">
-      <p15:sldGuideLst xmlns:p15="http://schemas.microsoft.com/office/powerpoint/2012/main">
+      <p15:sldGuideLst xmlns:p15="http://schemas.microsoft.com/office/powerpoint/2012/main" xmlns="">
         <p15:guide id="1" orient="horz" pos="2160" userDrawn="1">
           <p15:clr>
             <a:srgbClr val="A4A3A4"/>
@@ -130,7 +133,7 @@
       </p15:sldGuideLst>
     </p:ext>
     <p:ext uri="{2D200454-40CA-4A62-9FC3-DE9A4176ACB9}">
-      <p15:notesGuideLst xmlns:p15="http://schemas.microsoft.com/office/powerpoint/2012/main"/>
+      <p15:notesGuideLst xmlns:p15="http://schemas.microsoft.com/office/powerpoint/2012/main" xmlns=""/>
     </p:ext>
   </p:extLst>
 </p:presentation>
@@ -216,9 +219,9 @@
             </a:lvl1pPr>
           </a:lstStyle>
           <a:p>
-            <a:fld id="{01DF2063-C081-4270-88E6-3BB30BE1DF93}" type="datetime1">
+            <a:fld id="{EC21A44E-C332-4594-BE49-B942E2ACA21A}" type="datetime1">
               <a:rPr kumimoji="1" lang="ja-JP" altLang="en-US" smtClean="0"/>
-              <a:t>2018/6/17</a:t>
+              <a:t>2018/6/25</a:t>
             </a:fld>
             <a:endParaRPr kumimoji="1" lang="ja-JP" altLang="en-US"/>
           </a:p>
@@ -382,9 +385,9 @@
             </a:lvl1pPr>
           </a:lstStyle>
           <a:p>
-            <a:fld id="{CF6FB62C-3DA6-41F3-B6EB-3D193AC6D697}" type="datetime1">
+            <a:fld id="{61EB6A83-0B0A-4365-917E-12A520C637FC}" type="datetime1">
               <a:rPr kumimoji="1" lang="ja-JP" altLang="en-US" smtClean="0"/>
-              <a:t>2018/6/17</a:t>
+              <a:t>2018/6/25</a:t>
             </a:fld>
             <a:endParaRPr kumimoji="1" lang="ja-JP" altLang="en-US"/>
           </a:p>
@@ -748,9 +751,9 @@
           <a:bodyPr/>
           <a:lstStyle/>
           <a:p>
-            <a:fld id="{361CB913-E3C7-4855-B2E7-849DC751C833}" type="datetime1">
+            <a:fld id="{6F4679AE-809F-49BB-BAF5-6D7945E93E58}" type="datetime1">
               <a:rPr kumimoji="1" lang="ja-JP" altLang="en-US" smtClean="0"/>
-              <a:t>2018/6/17</a:t>
+              <a:t>2018/6/25</a:t>
             </a:fld>
             <a:endParaRPr kumimoji="1" lang="ja-JP" altLang="en-US"/>
           </a:p>
@@ -855,9 +858,9 @@
           <a:bodyPr/>
           <a:lstStyle/>
           <a:p>
-            <a:fld id="{F366ACC1-DB33-46B7-A640-861BADB417F9}" type="datetime1">
+            <a:fld id="{69D9EB5C-5D57-4F91-BC3A-9CEBE9653274}" type="datetime1">
               <a:rPr kumimoji="1" lang="ja-JP" altLang="en-US" smtClean="0"/>
-              <a:t>2018/6/17</a:t>
+              <a:t>2018/6/25</a:t>
             </a:fld>
             <a:endParaRPr kumimoji="1" lang="ja-JP" altLang="en-US"/>
           </a:p>
@@ -962,9 +965,9 @@
           <a:bodyPr/>
           <a:lstStyle/>
           <a:p>
-            <a:fld id="{19261E25-757B-48CC-A78F-4BD58ECA24B8}" type="datetime1">
+            <a:fld id="{B7BF685D-7D64-4D67-9BF4-DF07020BD77C}" type="datetime1">
               <a:rPr kumimoji="1" lang="ja-JP" altLang="en-US" smtClean="0"/>
-              <a:t>2018/6/17</a:t>
+              <a:t>2018/6/25</a:t>
             </a:fld>
             <a:endParaRPr kumimoji="1" lang="ja-JP" altLang="en-US"/>
           </a:p>
@@ -987,7 +990,7 @@
           <a:p>
             <a:fld id="{DB6CD680-8F6F-4B04-B7B3-228696608327}" type="slidenum">
               <a:rPr kumimoji="1" lang="ja-JP" altLang="en-US" smtClean="0"/>
-              <a:t>5</a:t>
+              <a:t>8</a:t>
             </a:fld>
             <a:endParaRPr kumimoji="1" lang="ja-JP" altLang="en-US"/>
           </a:p>
@@ -1617,7 +1620,7 @@
           <a:p>
             <a:r>
               <a:rPr kumimoji="1" lang="en-US" altLang="ja-JP" smtClean="0"/>
-              <a:t>/5</a:t>
+              <a:t>/7</a:t>
             </a:r>
             <a:endParaRPr kumimoji="1" lang="ja-JP" altLang="en-US" dirty="0"/>
           </a:p>
@@ -2007,7 +2010,7 @@
           <a:p>
             <a:r>
               <a:rPr kumimoji="1" lang="en-US" altLang="ja-JP" smtClean="0"/>
-              <a:t>/5</a:t>
+              <a:t>/7</a:t>
             </a:r>
             <a:endParaRPr kumimoji="1" lang="ja-JP" altLang="en-US" dirty="0"/>
           </a:p>
@@ -2499,7 +2502,7 @@
           <a:p>
             <a:r>
               <a:rPr kumimoji="1" lang="en-US" altLang="ja-JP" smtClean="0"/>
-              <a:t>/5</a:t>
+              <a:t>/7</a:t>
             </a:r>
             <a:endParaRPr kumimoji="1" lang="ja-JP" altLang="en-US"/>
           </a:p>
@@ -3441,7 +3444,7 @@
           <a:p>
             <a:r>
               <a:rPr kumimoji="1" lang="en-US" altLang="ja-JP" smtClean="0"/>
-              <a:t>/5</a:t>
+              <a:t>/7</a:t>
             </a:r>
             <a:endParaRPr kumimoji="1" lang="ja-JP" altLang="en-US"/>
           </a:p>
@@ -4367,8 +4370,13 @@
                   <a:schemeClr val="tx1"/>
                 </a:solidFill>
               </a:rPr>
-              <a:t>2018/6/18</a:t>
-            </a:r>
+              <a:t>2018/6/25</a:t>
+            </a:r>
+            <a:endParaRPr lang="en-US" altLang="ja-JP" sz="2000" b="0" dirty="0" smtClean="0">
+              <a:solidFill>
+                <a:schemeClr val="tx1"/>
+              </a:solidFill>
+            </a:endParaRPr>
           </a:p>
         </p:txBody>
       </p:sp>
@@ -4546,7 +4554,6 @@
               <a:rPr kumimoji="1" lang="en-US" altLang="ja-JP" dirty="0" smtClean="0"/>
               <a:t>)</a:t>
             </a:r>
-            <a:endParaRPr kumimoji="1" lang="en-US" altLang="ja-JP" dirty="0" smtClean="0"/>
           </a:p>
           <a:p>
             <a:pPr marL="457200" indent="-457200">
@@ -4605,7 +4612,7 @@
           <a:p>
             <a:r>
               <a:rPr kumimoji="1" lang="en-US" altLang="ja-JP" smtClean="0"/>
-              <a:t>/5</a:t>
+              <a:t>/7</a:t>
             </a:r>
             <a:endParaRPr kumimoji="1" lang="ja-JP" altLang="en-US" dirty="0"/>
           </a:p>
@@ -4991,7 +4998,7 @@
           <a:p>
             <a:r>
               <a:rPr kumimoji="1" lang="en-US" altLang="ja-JP" smtClean="0"/>
-              <a:t>/5</a:t>
+              <a:t>/7</a:t>
             </a:r>
             <a:endParaRPr kumimoji="1" lang="ja-JP" altLang="en-US" dirty="0"/>
           </a:p>
@@ -5256,51 +5263,56 @@
             <p:ph idx="1"/>
           </p:nvPr>
         </p:nvSpPr>
-        <p:spPr/>
+        <p:spPr>
+          <a:xfrm>
+            <a:off x="628650" y="828086"/>
+            <a:ext cx="8221806" cy="5741156"/>
+          </a:xfrm>
+        </p:spPr>
         <p:txBody>
           <a:bodyPr>
             <a:normAutofit/>
           </a:bodyPr>
           <a:lstStyle/>
           <a:p>
+            <a:pPr marL="514350" indent="-514350">
+              <a:buFont typeface="+mj-lt"/>
+              <a:buAutoNum type="romanUcPeriod"/>
+            </a:pPr>
+            <a:r>
+              <a:rPr kumimoji="1" lang="en-US" altLang="ja-JP" dirty="0" smtClean="0"/>
+              <a:t>Cash</a:t>
+            </a:r>
+            <a:r>
+              <a:rPr kumimoji="1" lang="ja-JP" altLang="en-US" dirty="0" smtClean="0"/>
+              <a:t>流動性</a:t>
+            </a:r>
+            <a:r>
+              <a:rPr lang="en-US" altLang="ja-JP" dirty="0"/>
+              <a:t>	</a:t>
+            </a:r>
+            <a:r>
+              <a:rPr lang="en-US" altLang="ja-JP" dirty="0" smtClean="0"/>
+              <a:t>…</a:t>
+            </a:r>
+            <a:r>
+              <a:rPr lang="ja-JP" altLang="en-US" dirty="0" smtClean="0"/>
+              <a:t>①現預金</a:t>
+            </a:r>
+            <a:r>
+              <a:rPr lang="ja-JP" altLang="en-US" dirty="0"/>
+              <a:t>　</a:t>
+            </a:r>
+            <a:r>
+              <a:rPr lang="ja-JP" altLang="en-US" dirty="0" smtClean="0"/>
+              <a:t>②借入能力　③売却可能資産</a:t>
+            </a:r>
+            <a:endParaRPr lang="en-US" altLang="ja-JP" dirty="0"/>
+          </a:p>
+          <a:p>
             <a:pPr marL="457200" indent="-457200">
               <a:buFont typeface="+mj-lt"/>
-              <a:buAutoNum type="arabicPeriod"/>
-            </a:pPr>
-            <a:r>
-              <a:rPr kumimoji="1" lang="en-US" altLang="ja-JP" dirty="0" smtClean="0"/>
-              <a:t>Cash</a:t>
-            </a:r>
-            <a:r>
-              <a:rPr kumimoji="1" lang="ja-JP" altLang="en-US" dirty="0" smtClean="0"/>
-              <a:t>流動性</a:t>
-            </a:r>
-            <a:r>
-              <a:rPr lang="en-US" altLang="ja-JP" dirty="0"/>
-              <a:t>	</a:t>
-            </a:r>
-            <a:r>
-              <a:rPr lang="en-US" altLang="ja-JP" dirty="0" smtClean="0"/>
-              <a:t>…</a:t>
-            </a:r>
-            <a:r>
-              <a:rPr lang="ja-JP" altLang="en-US" dirty="0" smtClean="0"/>
-              <a:t>①現預金</a:t>
-            </a:r>
-            <a:r>
-              <a:rPr lang="ja-JP" altLang="en-US" dirty="0"/>
-              <a:t>　</a:t>
-            </a:r>
-            <a:r>
-              <a:rPr lang="ja-JP" altLang="en-US" dirty="0" smtClean="0"/>
-              <a:t>②借入能力　③売却可能資産</a:t>
-            </a:r>
-            <a:endParaRPr lang="en-US" altLang="ja-JP" dirty="0"/>
-          </a:p>
-          <a:p>
-            <a:pPr marL="457200" indent="-457200">
-              <a:buFont typeface="+mj-lt"/>
-              <a:buAutoNum type="arabicPeriod"/>
+              <a:buAutoNum type="romanUcPeriod"/>
             </a:pPr>
             <a:r>
               <a:rPr kumimoji="1" lang="ja-JP" altLang="en-US" dirty="0" smtClean="0"/>
@@ -5329,8 +5341,198 @@
           <a:p>
             <a:r>
               <a:rPr kumimoji="1" lang="ja-JP" altLang="en-US" dirty="0" smtClean="0"/>
-              <a:t>市場流動性</a:t>
-            </a:r>
+              <a:t>市場流動性の低下要因</a:t>
+            </a:r>
+            <a:endParaRPr kumimoji="1" lang="en-US" altLang="ja-JP" dirty="0" smtClean="0"/>
+          </a:p>
+          <a:p>
+            <a:pPr marL="457200" lvl="1" indent="0">
+              <a:buNone/>
+            </a:pPr>
+            <a:r>
+              <a:rPr lang="ja-JP" altLang="en-US" dirty="0" smtClean="0"/>
+              <a:t>　←取引所取引 と</a:t>
+            </a:r>
+            <a:r>
+              <a:rPr lang="en-US" altLang="ja-JP" dirty="0" smtClean="0"/>
+              <a:t> </a:t>
+            </a:r>
+            <a:r>
+              <a:rPr lang="ja-JP" altLang="en-US" dirty="0" smtClean="0"/>
+              <a:t>店頭取引 </a:t>
+            </a:r>
+            <a:r>
+              <a:rPr lang="en-US" altLang="ja-JP" dirty="0" smtClean="0"/>
+              <a:t>,</a:t>
+            </a:r>
+            <a:r>
+              <a:rPr kumimoji="1" lang="en-US" altLang="ja-JP" dirty="0" smtClean="0"/>
+              <a:t>Market-Maker </a:t>
+            </a:r>
+            <a:r>
+              <a:rPr kumimoji="1" lang="ja-JP" altLang="en-US" dirty="0" smtClean="0"/>
+              <a:t>と </a:t>
+            </a:r>
+            <a:r>
+              <a:rPr kumimoji="1" lang="en-US" altLang="ja-JP" dirty="0" smtClean="0"/>
+              <a:t>Arbitrager</a:t>
+            </a:r>
+            <a:r>
+              <a:rPr kumimoji="1" lang="ja-JP" altLang="en-US" dirty="0" smtClean="0"/>
+              <a:t>を分けて考える</a:t>
+            </a:r>
+            <a:r>
+              <a:rPr kumimoji="1" lang="en-US" altLang="ja-JP" dirty="0" smtClean="0"/>
+              <a:t>.</a:t>
+            </a:r>
+          </a:p>
+          <a:p>
+            <a:pPr marL="800100" lvl="1" indent="-342900">
+              <a:buFont typeface="+mj-lt"/>
+              <a:buAutoNum type="arabicPeriod"/>
+            </a:pPr>
+            <a:r>
+              <a:rPr kumimoji="1" lang="ja-JP" altLang="en-US" dirty="0" smtClean="0"/>
+              <a:t>自己資本の減少</a:t>
+            </a:r>
+            <a:endParaRPr kumimoji="1" lang="en-US" altLang="ja-JP" dirty="0" smtClean="0"/>
+          </a:p>
+          <a:p>
+            <a:pPr marL="800100" lvl="1" indent="-342900">
+              <a:buFont typeface="+mj-lt"/>
+              <a:buAutoNum type="arabicPeriod"/>
+            </a:pPr>
+            <a:r>
+              <a:rPr kumimoji="1" lang="en-US" altLang="ja-JP" dirty="0" smtClean="0"/>
+              <a:t>Volatility</a:t>
+            </a:r>
+            <a:r>
+              <a:rPr kumimoji="1" lang="ja-JP" altLang="en-US" dirty="0" smtClean="0"/>
+              <a:t>上昇</a:t>
+            </a:r>
+            <a:endParaRPr kumimoji="1" lang="en-US" altLang="ja-JP" dirty="0" smtClean="0"/>
+          </a:p>
+          <a:p>
+            <a:pPr marL="800100" lvl="1" indent="-342900">
+              <a:buFont typeface="+mj-lt"/>
+              <a:buAutoNum type="arabicPeriod"/>
+            </a:pPr>
+            <a:r>
+              <a:rPr lang="en-US" altLang="ja-JP" dirty="0" smtClean="0"/>
+              <a:t>Cash</a:t>
+            </a:r>
+            <a:r>
+              <a:rPr lang="ja-JP" altLang="en-US" dirty="0" smtClean="0"/>
+              <a:t>流動性の低下</a:t>
+            </a:r>
+            <a:endParaRPr lang="en-US" altLang="ja-JP" dirty="0" smtClean="0"/>
+          </a:p>
+          <a:p>
+            <a:pPr marL="800100" lvl="1" indent="-342900">
+              <a:buFont typeface="+mj-lt"/>
+              <a:buAutoNum type="arabicPeriod"/>
+            </a:pPr>
+            <a:r>
+              <a:rPr kumimoji="1" lang="ja-JP" altLang="en-US" dirty="0" smtClean="0"/>
+              <a:t>価格への信頼性低下</a:t>
+            </a:r>
+            <a:endParaRPr lang="en-US" altLang="ja-JP" dirty="0"/>
+          </a:p>
+          <a:p>
+            <a:r>
+              <a:rPr kumimoji="1" lang="en-US" altLang="ja-JP" dirty="0" smtClean="0"/>
+              <a:t>Cash</a:t>
+            </a:r>
+            <a:r>
+              <a:rPr kumimoji="1" lang="ja-JP" altLang="en-US" dirty="0" smtClean="0"/>
+              <a:t>流動性と</a:t>
+            </a:r>
+            <a:r>
+              <a:rPr lang="ja-JP" altLang="en-US" dirty="0" smtClean="0"/>
+              <a:t>市場流動性の関係</a:t>
+            </a:r>
+            <a:endParaRPr kumimoji="1" lang="en-US" altLang="ja-JP" dirty="0" smtClean="0"/>
+          </a:p>
+          <a:p>
+            <a:pPr lvl="1"/>
+            <a:r>
+              <a:rPr lang="en-US" altLang="ja-JP" dirty="0"/>
+              <a:t>Cash</a:t>
+            </a:r>
+            <a:r>
+              <a:rPr lang="ja-JP" altLang="en-US" dirty="0"/>
+              <a:t>→市場</a:t>
+            </a:r>
+            <a:r>
+              <a:rPr lang="en-US" altLang="ja-JP" dirty="0"/>
+              <a:t> : </a:t>
+            </a:r>
+            <a:r>
+              <a:rPr lang="ja-JP" altLang="en-US" dirty="0"/>
+              <a:t>償還された債券・</a:t>
+            </a:r>
+            <a:r>
+              <a:rPr lang="en-US" altLang="ja-JP" dirty="0"/>
+              <a:t>CP</a:t>
+            </a:r>
+            <a:r>
+              <a:rPr lang="ja-JP" altLang="en-US" dirty="0"/>
+              <a:t>の借り換えが困難に</a:t>
+            </a:r>
+            <a:endParaRPr lang="en-US" altLang="ja-JP" dirty="0"/>
+          </a:p>
+          <a:p>
+            <a:pPr lvl="1"/>
+            <a:r>
+              <a:rPr lang="ja-JP" altLang="en-US" dirty="0"/>
+              <a:t>市場</a:t>
+            </a:r>
+            <a:r>
+              <a:rPr lang="ja-JP" altLang="en-US" dirty="0" smtClean="0"/>
+              <a:t>→</a:t>
+            </a:r>
+            <a:r>
+              <a:rPr lang="en-US" altLang="ja-JP" dirty="0" smtClean="0"/>
+              <a:t>Cash </a:t>
+            </a:r>
+          </a:p>
+          <a:p>
+            <a:pPr lvl="2"/>
+            <a:r>
+              <a:rPr lang="en-US" altLang="ja-JP" dirty="0" smtClean="0"/>
+              <a:t>(</a:t>
+            </a:r>
+            <a:r>
+              <a:rPr lang="ja-JP" altLang="en-US" dirty="0" smtClean="0"/>
+              <a:t>普通に起こる</a:t>
+            </a:r>
+            <a:r>
+              <a:rPr lang="en-US" altLang="ja-JP" dirty="0" smtClean="0"/>
+              <a:t>)</a:t>
+            </a:r>
+          </a:p>
+          <a:p>
+            <a:pPr lvl="2"/>
+            <a:r>
+              <a:rPr lang="ja-JP" altLang="en-US" dirty="0"/>
+              <a:t>支払い</a:t>
+            </a:r>
+            <a:r>
+              <a:rPr lang="ja-JP" altLang="en-US" dirty="0" smtClean="0"/>
+              <a:t>を遅らせようとする →「すくみ」</a:t>
+            </a:r>
+            <a:endParaRPr lang="en-US" altLang="ja-JP" dirty="0" smtClean="0"/>
+          </a:p>
+          <a:p>
+            <a:pPr lvl="2"/>
+            <a:r>
+              <a:rPr lang="ja-JP" altLang="en-US" dirty="0" smtClean="0"/>
+              <a:t>追加変動証拠金を差し出す</a:t>
+            </a:r>
+            <a:endParaRPr lang="en-US" altLang="ja-JP" dirty="0"/>
+          </a:p>
+          <a:p>
+            <a:pPr lvl="1"/>
             <a:endParaRPr kumimoji="1" lang="en-US" altLang="ja-JP" dirty="0" smtClean="0"/>
           </a:p>
           <a:p>
@@ -5382,7 +5584,7 @@
           <a:p>
             <a:r>
               <a:rPr kumimoji="1" lang="en-US" altLang="ja-JP" smtClean="0"/>
-              <a:t>/5</a:t>
+              <a:t>/7</a:t>
             </a:r>
             <a:endParaRPr kumimoji="1" lang="ja-JP" altLang="en-US" dirty="0"/>
           </a:p>
@@ -5402,6 +5604,897 @@
 </file>
 
 <file path=ppt/slides/slide5.xml><?xml version="1.0" encoding="utf-8"?>
+<p:sld xmlns:a="http://schemas.openxmlformats.org/drawingml/2006/main" xmlns:r="http://schemas.openxmlformats.org/officeDocument/2006/relationships" xmlns:p="http://schemas.openxmlformats.org/presentationml/2006/main">
+  <p:cSld>
+    <p:spTree>
+      <p:nvGrpSpPr>
+        <p:cNvPr id="1" name=""/>
+        <p:cNvGrpSpPr/>
+        <p:nvPr/>
+      </p:nvGrpSpPr>
+      <p:grpSpPr>
+        <a:xfrm>
+          <a:off x="0" y="0"/>
+          <a:ext cx="0" cy="0"/>
+          <a:chOff x="0" y="0"/>
+          <a:chExt cx="0" cy="0"/>
+        </a:xfrm>
+      </p:grpSpPr>
+      <p:sp>
+        <p:nvSpPr>
+          <p:cNvPr id="2" name="タイトル 1"/>
+          <p:cNvSpPr>
+            <a:spLocks noGrp="1"/>
+          </p:cNvSpPr>
+          <p:nvPr>
+            <p:ph type="title"/>
+          </p:nvPr>
+        </p:nvSpPr>
+        <p:spPr/>
+        <p:txBody>
+          <a:bodyPr>
+            <a:normAutofit fontScale="90000"/>
+          </a:bodyPr>
+          <a:lstStyle/>
+          <a:p>
+            <a:r>
+              <a:rPr kumimoji="1" lang="en-US" altLang="ja-JP" dirty="0" smtClean="0"/>
+              <a:t>15-3 </a:t>
+            </a:r>
+            <a:r>
+              <a:rPr kumimoji="1" lang="ja-JP" altLang="en-US" dirty="0" smtClean="0"/>
+              <a:t>中央銀行の対応</a:t>
+            </a:r>
+            <a:endParaRPr kumimoji="1" lang="ja-JP" altLang="en-US" dirty="0"/>
+          </a:p>
+        </p:txBody>
+      </p:sp>
+      <p:sp>
+        <p:nvSpPr>
+          <p:cNvPr id="3" name="コンテンツ プレースホルダー 2"/>
+          <p:cNvSpPr>
+            <a:spLocks noGrp="1"/>
+          </p:cNvSpPr>
+          <p:nvPr>
+            <p:ph idx="1"/>
+          </p:nvPr>
+        </p:nvSpPr>
+        <p:spPr/>
+        <p:txBody>
+          <a:bodyPr/>
+          <a:lstStyle/>
+          <a:p>
+            <a:r>
+              <a:rPr lang="ja-JP" altLang="en-US" dirty="0" smtClean="0"/>
+              <a:t>流動性</a:t>
+            </a:r>
+            <a:r>
+              <a:rPr lang="ja-JP" altLang="en-US" dirty="0"/>
+              <a:t>危機発生時</a:t>
+            </a:r>
+            <a:r>
+              <a:rPr lang="ja-JP" altLang="en-US" dirty="0" smtClean="0"/>
+              <a:t>の</a:t>
+            </a:r>
+            <a:r>
+              <a:rPr lang="ja-JP" altLang="en-US" dirty="0"/>
+              <a:t>要因</a:t>
+            </a:r>
+            <a:endParaRPr lang="en-US" altLang="ja-JP" dirty="0" smtClean="0"/>
+          </a:p>
+          <a:p>
+            <a:pPr lvl="1"/>
+            <a:r>
+              <a:rPr lang="ja-JP" altLang="en-US" dirty="0" smtClean="0"/>
+              <a:t>ソルベンシー </a:t>
+            </a:r>
+            <a:r>
+              <a:rPr lang="en-US" altLang="ja-JP" dirty="0" smtClean="0"/>
+              <a:t>: </a:t>
+            </a:r>
+            <a:r>
+              <a:rPr lang="ja-JP" altLang="en-US" dirty="0" smtClean="0"/>
+              <a:t>払える資本力</a:t>
+            </a:r>
+            <a:r>
+              <a:rPr lang="en-US" altLang="ja-JP" dirty="0" smtClean="0"/>
+              <a:t>	 	…</a:t>
+            </a:r>
+            <a:r>
+              <a:rPr lang="ja-JP" altLang="en-US" dirty="0" smtClean="0"/>
+              <a:t>健全な銀行には起こらない</a:t>
+            </a:r>
+            <a:endParaRPr lang="en-US" altLang="ja-JP" dirty="0" smtClean="0"/>
+          </a:p>
+          <a:p>
+            <a:pPr lvl="1"/>
+            <a:r>
+              <a:rPr lang="ja-JP" altLang="en-US" dirty="0" smtClean="0"/>
+              <a:t>流動性</a:t>
+            </a:r>
+            <a:r>
+              <a:rPr lang="en-US" altLang="ja-JP" dirty="0" smtClean="0"/>
+              <a:t>	     : </a:t>
+            </a:r>
+            <a:r>
+              <a:rPr lang="ja-JP" altLang="en-US" dirty="0" smtClean="0"/>
+              <a:t>資金繰りの問題</a:t>
+            </a:r>
+            <a:r>
+              <a:rPr lang="en-US" altLang="ja-JP" dirty="0" smtClean="0"/>
+              <a:t>	…</a:t>
+            </a:r>
+            <a:r>
+              <a:rPr lang="ja-JP" altLang="en-US" dirty="0"/>
+              <a:t>健全な</a:t>
+            </a:r>
+            <a:r>
+              <a:rPr lang="ja-JP" altLang="en-US" dirty="0" smtClean="0"/>
+              <a:t>銀行でも起こりうる</a:t>
+            </a:r>
+            <a:endParaRPr kumimoji="1" lang="en-US" altLang="ja-JP" dirty="0"/>
+          </a:p>
+          <a:p>
+            <a:r>
+              <a:rPr lang="ja-JP" altLang="en-US" dirty="0"/>
+              <a:t>流動性危機発生時の対応</a:t>
+            </a:r>
+            <a:endParaRPr lang="en-US" altLang="ja-JP" dirty="0"/>
+          </a:p>
+          <a:p>
+            <a:pPr lvl="1"/>
+            <a:r>
+              <a:rPr lang="ja-JP" altLang="en-US" dirty="0"/>
+              <a:t>短期金利の引き下げ</a:t>
+            </a:r>
+            <a:endParaRPr lang="en-US" altLang="ja-JP" dirty="0"/>
+          </a:p>
+          <a:p>
+            <a:pPr lvl="1"/>
+            <a:r>
+              <a:rPr lang="ja-JP" altLang="en-US" dirty="0"/>
+              <a:t>マネーの供給</a:t>
+            </a:r>
+            <a:endParaRPr lang="en-US" altLang="ja-JP" dirty="0"/>
+          </a:p>
+          <a:p>
+            <a:r>
+              <a:rPr kumimoji="1" lang="ja-JP" altLang="en-US" dirty="0" smtClean="0"/>
+              <a:t>中銀の苦悩</a:t>
+            </a:r>
+            <a:endParaRPr kumimoji="1" lang="en-US" altLang="ja-JP" dirty="0" smtClean="0"/>
+          </a:p>
+          <a:p>
+            <a:pPr lvl="1"/>
+            <a:r>
+              <a:rPr lang="ja-JP" altLang="en-US" dirty="0" smtClean="0"/>
+              <a:t>原因がソルベンシー </a:t>
+            </a:r>
+            <a:r>
+              <a:rPr lang="en-US" altLang="ja-JP" dirty="0" smtClean="0"/>
+              <a:t>or </a:t>
+            </a:r>
+            <a:r>
+              <a:rPr lang="ja-JP" altLang="en-US" dirty="0" smtClean="0"/>
+              <a:t>流動性か判断困難</a:t>
+            </a:r>
+            <a:endParaRPr lang="en-US" altLang="ja-JP" dirty="0" smtClean="0"/>
+          </a:p>
+          <a:p>
+            <a:pPr lvl="1"/>
+            <a:r>
+              <a:rPr kumimoji="1" lang="ja-JP" altLang="en-US" dirty="0" smtClean="0"/>
+              <a:t>容易に介入しすぎると、銀行のリスク管理体制が甘くなる</a:t>
+            </a:r>
+            <a:r>
+              <a:rPr kumimoji="1" lang="en-US" altLang="ja-JP" dirty="0" smtClean="0"/>
+              <a:t>(</a:t>
+            </a:r>
+            <a:r>
+              <a:rPr kumimoji="1" lang="ja-JP" altLang="en-US" dirty="0" smtClean="0"/>
+              <a:t>モラル</a:t>
+            </a:r>
+            <a:r>
+              <a:rPr kumimoji="1" lang="en-US" altLang="ja-JP" dirty="0" smtClean="0"/>
+              <a:t>)</a:t>
+            </a:r>
+          </a:p>
+          <a:p>
+            <a:pPr lvl="1"/>
+            <a:r>
+              <a:rPr kumimoji="1" lang="ja-JP" altLang="en-US" dirty="0" smtClean="0"/>
+              <a:t>どこまで銀行を救うか</a:t>
+            </a:r>
+            <a:endParaRPr kumimoji="1" lang="en-US" altLang="ja-JP" dirty="0" smtClean="0"/>
+          </a:p>
+          <a:p>
+            <a:pPr lvl="1"/>
+            <a:endParaRPr kumimoji="1" lang="en-US" altLang="ja-JP" dirty="0" smtClean="0"/>
+          </a:p>
+          <a:p>
+            <a:pPr lvl="1"/>
+            <a:endParaRPr kumimoji="1" lang="ja-JP" altLang="en-US" dirty="0"/>
+          </a:p>
+        </p:txBody>
+      </p:sp>
+      <p:sp>
+        <p:nvSpPr>
+          <p:cNvPr id="4" name="スライド番号プレースホルダー 3"/>
+          <p:cNvSpPr>
+            <a:spLocks noGrp="1"/>
+          </p:cNvSpPr>
+          <p:nvPr>
+            <p:ph type="sldNum" sz="quarter" idx="12"/>
+          </p:nvPr>
+        </p:nvSpPr>
+        <p:spPr/>
+        <p:txBody>
+          <a:bodyPr/>
+          <a:lstStyle/>
+          <a:p>
+            <a:fld id="{2DD9D90A-4D94-4525-A16D-2717D27F54F2}" type="slidenum">
+              <a:rPr kumimoji="1" lang="ja-JP" altLang="en-US" smtClean="0"/>
+              <a:pPr/>
+              <a:t>5</a:t>
+            </a:fld>
+            <a:endParaRPr kumimoji="1" lang="ja-JP" altLang="en-US" dirty="0"/>
+          </a:p>
+        </p:txBody>
+      </p:sp>
+      <p:sp>
+        <p:nvSpPr>
+          <p:cNvPr id="5" name="フッター プレースホルダー 4"/>
+          <p:cNvSpPr>
+            <a:spLocks noGrp="1"/>
+          </p:cNvSpPr>
+          <p:nvPr>
+            <p:ph type="ftr" sz="quarter" idx="11"/>
+          </p:nvPr>
+        </p:nvSpPr>
+        <p:spPr/>
+        <p:txBody>
+          <a:bodyPr/>
+          <a:lstStyle/>
+          <a:p>
+            <a:r>
+              <a:rPr kumimoji="1" lang="en-US" altLang="ja-JP" smtClean="0"/>
+              <a:t>/7</a:t>
+            </a:r>
+            <a:endParaRPr kumimoji="1" lang="ja-JP" altLang="en-US" dirty="0"/>
+          </a:p>
+        </p:txBody>
+      </p:sp>
+    </p:spTree>
+    <p:extLst>
+      <p:ext uri="{BB962C8B-B14F-4D97-AF65-F5344CB8AC3E}">
+        <p14:creationId xmlns:p14="http://schemas.microsoft.com/office/powerpoint/2010/main" val="484323589"/>
+      </p:ext>
+    </p:extLst>
+  </p:cSld>
+  <p:clrMapOvr>
+    <a:masterClrMapping/>
+  </p:clrMapOvr>
+</p:sld>
+</file>
+
+<file path=ppt/slides/slide6.xml><?xml version="1.0" encoding="utf-8"?>
+<p:sld xmlns:a="http://schemas.openxmlformats.org/drawingml/2006/main" xmlns:r="http://schemas.openxmlformats.org/officeDocument/2006/relationships" xmlns:p="http://schemas.openxmlformats.org/presentationml/2006/main">
+  <p:cSld>
+    <p:spTree>
+      <p:nvGrpSpPr>
+        <p:cNvPr id="1" name=""/>
+        <p:cNvGrpSpPr/>
+        <p:nvPr/>
+      </p:nvGrpSpPr>
+      <p:grpSpPr>
+        <a:xfrm>
+          <a:off x="0" y="0"/>
+          <a:ext cx="0" cy="0"/>
+          <a:chOff x="0" y="0"/>
+          <a:chExt cx="0" cy="0"/>
+        </a:xfrm>
+      </p:grpSpPr>
+      <p:sp>
+        <p:nvSpPr>
+          <p:cNvPr id="2" name="タイトル 1"/>
+          <p:cNvSpPr>
+            <a:spLocks noGrp="1"/>
+          </p:cNvSpPr>
+          <p:nvPr>
+            <p:ph type="title"/>
+          </p:nvPr>
+        </p:nvSpPr>
+        <p:spPr/>
+        <p:txBody>
+          <a:bodyPr>
+            <a:normAutofit fontScale="90000"/>
+          </a:bodyPr>
+          <a:lstStyle/>
+          <a:p>
+            <a:r>
+              <a:rPr kumimoji="1" lang="en-US" altLang="ja-JP" dirty="0" smtClean="0"/>
+              <a:t>15-4 </a:t>
+            </a:r>
+            <a:r>
+              <a:rPr kumimoji="1" lang="ja-JP" altLang="en-US" dirty="0" smtClean="0"/>
+              <a:t>バンキング対策</a:t>
+            </a:r>
+            <a:endParaRPr kumimoji="1" lang="ja-JP" altLang="en-US" dirty="0"/>
+          </a:p>
+        </p:txBody>
+      </p:sp>
+      <p:sp>
+        <p:nvSpPr>
+          <p:cNvPr id="3" name="コンテンツ プレースホルダー 2"/>
+          <p:cNvSpPr>
+            <a:spLocks noGrp="1"/>
+          </p:cNvSpPr>
+          <p:nvPr>
+            <p:ph idx="1"/>
+          </p:nvPr>
+        </p:nvSpPr>
+        <p:spPr/>
+        <p:txBody>
+          <a:bodyPr/>
+          <a:lstStyle/>
+          <a:p>
+            <a:r>
+              <a:rPr kumimoji="1" lang="en-US" altLang="ja-JP" dirty="0" smtClean="0"/>
+              <a:t>Systemic-Risk</a:t>
+            </a:r>
+            <a:r>
+              <a:rPr kumimoji="1" lang="ja-JP" altLang="en-US" dirty="0" smtClean="0"/>
+              <a:t>は市場型のほうが厄介</a:t>
+            </a:r>
+            <a:endParaRPr kumimoji="1" lang="en-US" altLang="ja-JP" dirty="0" smtClean="0"/>
+          </a:p>
+          <a:p>
+            <a:pPr lvl="1"/>
+            <a:r>
+              <a:rPr lang="ja-JP" altLang="en-US" dirty="0" smtClean="0"/>
+              <a:t>原因が自明でない　→対策も自明でない</a:t>
+            </a:r>
+            <a:r>
+              <a:rPr lang="en-US" altLang="ja-JP" dirty="0" smtClean="0"/>
+              <a:t>(CP</a:t>
+            </a:r>
+            <a:r>
+              <a:rPr lang="ja-JP" altLang="en-US" dirty="0" smtClean="0"/>
+              <a:t>リスクの把握は困難</a:t>
+            </a:r>
+            <a:r>
+              <a:rPr lang="en-US" altLang="ja-JP" dirty="0" smtClean="0"/>
+              <a:t>)</a:t>
+            </a:r>
+            <a:endParaRPr lang="en-US" altLang="ja-JP" dirty="0"/>
+          </a:p>
+          <a:p>
+            <a:endParaRPr kumimoji="1" lang="en-US" altLang="ja-JP" dirty="0" smtClean="0"/>
+          </a:p>
+          <a:p>
+            <a:r>
+              <a:rPr lang="ja-JP" altLang="en-US" dirty="0" smtClean="0"/>
+              <a:t>対策</a:t>
+            </a:r>
+            <a:endParaRPr lang="en-US" altLang="ja-JP" dirty="0" smtClean="0"/>
+          </a:p>
+          <a:p>
+            <a:pPr lvl="1"/>
+            <a:r>
+              <a:rPr lang="ja-JP" altLang="en-US" dirty="0"/>
+              <a:t>資金</a:t>
+            </a:r>
+            <a:r>
+              <a:rPr lang="ja-JP" altLang="en-US" dirty="0" smtClean="0"/>
+              <a:t>供給</a:t>
+            </a:r>
+            <a:r>
+              <a:rPr lang="en-US" altLang="ja-JP" dirty="0" smtClean="0"/>
+              <a:t>Operation</a:t>
+            </a:r>
+          </a:p>
+          <a:p>
+            <a:pPr lvl="1"/>
+            <a:r>
+              <a:rPr kumimoji="1" lang="ja-JP" altLang="en-US" dirty="0"/>
+              <a:t>金融機関</a:t>
+            </a:r>
+            <a:r>
+              <a:rPr kumimoji="1" lang="ja-JP" altLang="en-US" dirty="0" smtClean="0"/>
+              <a:t>へ直接貸す </a:t>
+            </a:r>
+            <a:r>
+              <a:rPr kumimoji="1" lang="en-US" altLang="ja-JP" dirty="0" smtClean="0"/>
+              <a:t>(</a:t>
+            </a:r>
+            <a:r>
+              <a:rPr kumimoji="1" lang="ja-JP" altLang="en-US" dirty="0" smtClean="0"/>
+              <a:t>ペナルティ金利で</a:t>
+            </a:r>
+            <a:r>
+              <a:rPr kumimoji="1" lang="en-US" altLang="ja-JP" dirty="0" smtClean="0"/>
+              <a:t>)</a:t>
+            </a:r>
+          </a:p>
+          <a:p>
+            <a:pPr lvl="1"/>
+            <a:r>
+              <a:rPr kumimoji="1" lang="ja-JP" altLang="en-US" dirty="0" smtClean="0"/>
+              <a:t>中銀が間に入って取引する ←金融機関にとって</a:t>
+            </a:r>
+            <a:r>
+              <a:rPr kumimoji="1" lang="en-US" altLang="ja-JP" dirty="0" smtClean="0"/>
+              <a:t>CP</a:t>
+            </a:r>
+            <a:r>
+              <a:rPr kumimoji="1" lang="ja-JP" altLang="en-US" dirty="0" smtClean="0"/>
+              <a:t>リスクがなくなる</a:t>
+            </a:r>
+            <a:endParaRPr kumimoji="1" lang="en-US" altLang="ja-JP" dirty="0" smtClean="0"/>
+          </a:p>
+          <a:p>
+            <a:pPr lvl="1"/>
+            <a:r>
+              <a:rPr kumimoji="1" lang="ja-JP" altLang="en-US" dirty="0" smtClean="0"/>
+              <a:t>決済システム稼働時間を延ばす</a:t>
+            </a:r>
+            <a:endParaRPr kumimoji="1" lang="en-US" altLang="ja-JP" dirty="0" smtClean="0"/>
+          </a:p>
+          <a:p>
+            <a:pPr lvl="1"/>
+            <a:r>
+              <a:rPr lang="ja-JP" altLang="en-US" dirty="0" smtClean="0"/>
+              <a:t>外貨供給</a:t>
+            </a:r>
+            <a:endParaRPr lang="en-US" altLang="ja-JP" dirty="0" smtClean="0"/>
+          </a:p>
+          <a:p>
+            <a:pPr lvl="1"/>
+            <a:r>
+              <a:rPr kumimoji="1" lang="ja-JP" altLang="en-US" dirty="0" smtClean="0"/>
+              <a:t>中銀</a:t>
+            </a:r>
+            <a:r>
+              <a:rPr kumimoji="1" lang="ja-JP" altLang="en-US" dirty="0"/>
+              <a:t>として</a:t>
+            </a:r>
+            <a:r>
+              <a:rPr kumimoji="1" lang="ja-JP" altLang="en-US" dirty="0" smtClean="0"/>
+              <a:t>の声明を出す</a:t>
+            </a:r>
+            <a:endParaRPr kumimoji="1" lang="en-US" altLang="ja-JP" dirty="0" smtClean="0"/>
+          </a:p>
+          <a:p>
+            <a:pPr lvl="1"/>
+            <a:endParaRPr lang="en-US" altLang="ja-JP" dirty="0"/>
+          </a:p>
+          <a:p>
+            <a:pPr lvl="1"/>
+            <a:endParaRPr kumimoji="1" lang="en-US" altLang="ja-JP" dirty="0"/>
+          </a:p>
+          <a:p>
+            <a:endParaRPr kumimoji="1" lang="ja-JP" altLang="en-US" dirty="0"/>
+          </a:p>
+        </p:txBody>
+      </p:sp>
+      <p:sp>
+        <p:nvSpPr>
+          <p:cNvPr id="4" name="スライド番号プレースホルダー 3"/>
+          <p:cNvSpPr>
+            <a:spLocks noGrp="1"/>
+          </p:cNvSpPr>
+          <p:nvPr>
+            <p:ph type="sldNum" sz="quarter" idx="12"/>
+          </p:nvPr>
+        </p:nvSpPr>
+        <p:spPr/>
+        <p:txBody>
+          <a:bodyPr/>
+          <a:lstStyle/>
+          <a:p>
+            <a:fld id="{2DD9D90A-4D94-4525-A16D-2717D27F54F2}" type="slidenum">
+              <a:rPr kumimoji="1" lang="ja-JP" altLang="en-US" smtClean="0"/>
+              <a:pPr/>
+              <a:t>6</a:t>
+            </a:fld>
+            <a:endParaRPr kumimoji="1" lang="ja-JP" altLang="en-US" dirty="0"/>
+          </a:p>
+        </p:txBody>
+      </p:sp>
+      <p:sp>
+        <p:nvSpPr>
+          <p:cNvPr id="5" name="フッター プレースホルダー 4"/>
+          <p:cNvSpPr>
+            <a:spLocks noGrp="1"/>
+          </p:cNvSpPr>
+          <p:nvPr>
+            <p:ph type="ftr" sz="quarter" idx="11"/>
+          </p:nvPr>
+        </p:nvSpPr>
+        <p:spPr/>
+        <p:txBody>
+          <a:bodyPr/>
+          <a:lstStyle/>
+          <a:p>
+            <a:r>
+              <a:rPr kumimoji="1" lang="en-US" altLang="ja-JP" smtClean="0"/>
+              <a:t>/7</a:t>
+            </a:r>
+            <a:endParaRPr kumimoji="1" lang="ja-JP" altLang="en-US" dirty="0"/>
+          </a:p>
+        </p:txBody>
+      </p:sp>
+    </p:spTree>
+    <p:extLst>
+      <p:ext uri="{BB962C8B-B14F-4D97-AF65-F5344CB8AC3E}">
+        <p14:creationId xmlns:p14="http://schemas.microsoft.com/office/powerpoint/2010/main" val="2974269998"/>
+      </p:ext>
+    </p:extLst>
+  </p:cSld>
+  <p:clrMapOvr>
+    <a:masterClrMapping/>
+  </p:clrMapOvr>
+</p:sld>
+</file>
+
+<file path=ppt/slides/slide7.xml><?xml version="1.0" encoding="utf-8"?>
+<p:sld xmlns:a="http://schemas.openxmlformats.org/drawingml/2006/main" xmlns:r="http://schemas.openxmlformats.org/officeDocument/2006/relationships" xmlns:p="http://schemas.openxmlformats.org/presentationml/2006/main">
+  <p:cSld>
+    <p:spTree>
+      <p:nvGrpSpPr>
+        <p:cNvPr id="1" name=""/>
+        <p:cNvGrpSpPr/>
+        <p:nvPr/>
+      </p:nvGrpSpPr>
+      <p:grpSpPr>
+        <a:xfrm>
+          <a:off x="0" y="0"/>
+          <a:ext cx="0" cy="0"/>
+          <a:chOff x="0" y="0"/>
+          <a:chExt cx="0" cy="0"/>
+        </a:xfrm>
+      </p:grpSpPr>
+      <p:sp>
+        <p:nvSpPr>
+          <p:cNvPr id="2" name="タイトル 1"/>
+          <p:cNvSpPr>
+            <a:spLocks noGrp="1"/>
+          </p:cNvSpPr>
+          <p:nvPr>
+            <p:ph type="title"/>
+          </p:nvPr>
+        </p:nvSpPr>
+        <p:spPr/>
+        <p:txBody>
+          <a:bodyPr>
+            <a:noAutofit/>
+          </a:bodyPr>
+          <a:lstStyle/>
+          <a:p>
+            <a:r>
+              <a:rPr kumimoji="1" lang="en-US" altLang="ja-JP" sz="2800" dirty="0" smtClean="0"/>
+              <a:t>15-5 </a:t>
+            </a:r>
+            <a:r>
+              <a:rPr lang="ja-JP" altLang="en-US" sz="2800" dirty="0"/>
+              <a:t>金融</a:t>
+            </a:r>
+            <a:r>
+              <a:rPr kumimoji="1" lang="ja-JP" altLang="en-US" sz="2800" dirty="0" smtClean="0"/>
+              <a:t>システムに関する政策の制度的枠組み</a:t>
+            </a:r>
+            <a:endParaRPr kumimoji="1" lang="ja-JP" altLang="en-US" sz="2800" dirty="0"/>
+          </a:p>
+        </p:txBody>
+      </p:sp>
+      <p:sp>
+        <p:nvSpPr>
+          <p:cNvPr id="3" name="コンテンツ プレースホルダー 2"/>
+          <p:cNvSpPr>
+            <a:spLocks noGrp="1"/>
+          </p:cNvSpPr>
+          <p:nvPr>
+            <p:ph idx="1"/>
+          </p:nvPr>
+        </p:nvSpPr>
+        <p:spPr/>
+        <p:txBody>
+          <a:bodyPr/>
+          <a:lstStyle/>
+          <a:p>
+            <a:pPr marL="0" indent="0">
+              <a:buNone/>
+            </a:pPr>
+            <a:r>
+              <a:rPr kumimoji="1" lang="ja-JP" altLang="en-US" dirty="0" smtClean="0"/>
+              <a:t>金融システムの安定の定義</a:t>
+            </a:r>
+            <a:endParaRPr kumimoji="1" lang="en-US" altLang="ja-JP" dirty="0" smtClean="0"/>
+          </a:p>
+          <a:p>
+            <a:pPr marL="800100" lvl="1" indent="-342900">
+              <a:buFont typeface="+mj-lt"/>
+              <a:buAutoNum type="arabicPeriod"/>
+            </a:pPr>
+            <a:r>
+              <a:rPr kumimoji="1" lang="ja-JP" altLang="en-US" dirty="0" smtClean="0"/>
+              <a:t>金融機関の健全な運営</a:t>
+            </a:r>
+            <a:endParaRPr kumimoji="1" lang="en-US" altLang="ja-JP" dirty="0" smtClean="0"/>
+          </a:p>
+          <a:p>
+            <a:pPr marL="800100" lvl="1" indent="-342900">
+              <a:buFont typeface="+mj-lt"/>
+              <a:buAutoNum type="arabicPeriod"/>
+            </a:pPr>
+            <a:r>
+              <a:rPr kumimoji="1" lang="ja-JP" altLang="en-US" dirty="0" smtClean="0"/>
+              <a:t>金融市場の機能の維持</a:t>
+            </a:r>
+            <a:endParaRPr lang="en-US" altLang="ja-JP" dirty="0" smtClean="0"/>
+          </a:p>
+          <a:p>
+            <a:pPr marL="800100" lvl="1" indent="-342900">
+              <a:buFont typeface="+mj-lt"/>
+              <a:buAutoNum type="arabicPeriod"/>
+            </a:pPr>
+            <a:r>
+              <a:rPr lang="ja-JP" altLang="en-US" dirty="0" smtClean="0"/>
+              <a:t>決済</a:t>
+            </a:r>
+            <a:r>
+              <a:rPr lang="ja-JP" altLang="en-US" dirty="0"/>
+              <a:t>システム</a:t>
+            </a:r>
+            <a:r>
+              <a:rPr lang="ja-JP" altLang="en-US" dirty="0" smtClean="0"/>
+              <a:t>の効率的・安定的運営</a:t>
+            </a:r>
+            <a:endParaRPr lang="en-US" altLang="ja-JP" dirty="0" smtClean="0"/>
+          </a:p>
+          <a:p>
+            <a:pPr marL="457200" lvl="1" indent="0">
+              <a:buNone/>
+            </a:pPr>
+            <a:r>
+              <a:rPr kumimoji="1" lang="en-US" altLang="ja-JP" dirty="0"/>
+              <a:t>	</a:t>
+            </a:r>
+            <a:r>
+              <a:rPr kumimoji="1" lang="ja-JP" altLang="en-US" dirty="0" smtClean="0"/>
+              <a:t>⇒免許・規制・監督・検査・報告義務を課すことで達成する</a:t>
+            </a:r>
+            <a:r>
+              <a:rPr kumimoji="1" lang="ja-JP" altLang="en-US" dirty="0" smtClean="0"/>
+              <a:t>。</a:t>
+            </a:r>
+            <a:r>
+              <a:rPr lang="en-US" altLang="ja-JP" dirty="0"/>
+              <a:t/>
+            </a:r>
+            <a:br>
+              <a:rPr lang="en-US" altLang="ja-JP" dirty="0"/>
+            </a:br>
+            <a:r>
+              <a:rPr lang="en-US" altLang="ja-JP" dirty="0" smtClean="0"/>
+              <a:t/>
+            </a:r>
+            <a:br>
+              <a:rPr lang="en-US" altLang="ja-JP" dirty="0" smtClean="0"/>
+            </a:br>
+            <a:r>
+              <a:rPr lang="ja-JP" altLang="en-US" dirty="0" smtClean="0"/>
+              <a:t>↓ ↓</a:t>
+            </a:r>
+            <a:r>
+              <a:rPr lang="ja-JP" altLang="en-US" dirty="0"/>
+              <a:t> </a:t>
+            </a:r>
+            <a:r>
+              <a:rPr lang="ja-JP" altLang="en-US" dirty="0" smtClean="0"/>
+              <a:t>↓</a:t>
+            </a:r>
+            <a:r>
+              <a:rPr lang="ja-JP" altLang="en-US" dirty="0"/>
+              <a:t> </a:t>
+            </a:r>
+            <a:r>
+              <a:rPr lang="ja-JP" altLang="en-US" dirty="0" smtClean="0"/>
+              <a:t>↓</a:t>
+            </a:r>
+            <a:r>
+              <a:rPr lang="ja-JP" altLang="en-US" dirty="0"/>
+              <a:t> </a:t>
+            </a:r>
+            <a:r>
+              <a:rPr lang="ja-JP" altLang="en-US" dirty="0" smtClean="0"/>
+              <a:t>↓</a:t>
+            </a:r>
+            <a:r>
+              <a:rPr lang="ja-JP" altLang="en-US" dirty="0"/>
+              <a:t> ↓</a:t>
+            </a:r>
+            <a:endParaRPr lang="en-US" altLang="ja-JP" dirty="0" smtClean="0"/>
+          </a:p>
+          <a:p>
+            <a:r>
+              <a:rPr lang="ja-JP" altLang="en-US" dirty="0" smtClean="0"/>
+              <a:t>個別金融機関に対する規制・監督</a:t>
+            </a:r>
+            <a:endParaRPr lang="en-US" altLang="ja-JP" dirty="0" smtClean="0"/>
+          </a:p>
+          <a:p>
+            <a:pPr lvl="1"/>
+            <a:r>
+              <a:rPr lang="ja-JP" altLang="en-US" dirty="0" smtClean="0"/>
+              <a:t>長所：政策の情報となる</a:t>
+            </a:r>
+            <a:endParaRPr lang="en-US" altLang="ja-JP" dirty="0" smtClean="0"/>
+          </a:p>
+          <a:p>
+            <a:pPr lvl="1"/>
+            <a:r>
+              <a:rPr lang="ja-JP" altLang="en-US" dirty="0" smtClean="0"/>
+              <a:t>短所：利益相反</a:t>
+            </a:r>
+            <a:endParaRPr lang="en-US" altLang="ja-JP" dirty="0" smtClean="0"/>
+          </a:p>
+          <a:p>
+            <a:r>
+              <a:rPr lang="ja-JP" altLang="en-US" dirty="0" smtClean="0"/>
+              <a:t>監視・状況把握</a:t>
+            </a:r>
+            <a:endParaRPr lang="en-US" altLang="ja-JP" dirty="0" smtClean="0"/>
+          </a:p>
+          <a:p>
+            <a:pPr lvl="1"/>
+            <a:r>
+              <a:rPr lang="ja-JP" altLang="en-US" dirty="0" smtClean="0"/>
+              <a:t>金融市場</a:t>
+            </a:r>
+            <a:r>
+              <a:rPr lang="en-US" altLang="ja-JP" dirty="0" smtClean="0"/>
+              <a:t>(</a:t>
+            </a:r>
+            <a:r>
+              <a:rPr lang="ja-JP" altLang="en-US" dirty="0" smtClean="0"/>
+              <a:t>マクロ</a:t>
+            </a:r>
+            <a:r>
+              <a:rPr lang="en-US" altLang="ja-JP" dirty="0" smtClean="0"/>
+              <a:t>)</a:t>
+            </a:r>
+            <a:r>
+              <a:rPr lang="ja-JP" altLang="en-US" dirty="0" smtClean="0"/>
+              <a:t>の分析　→①ファンダメンタルズ②需給</a:t>
+            </a:r>
+            <a:endParaRPr lang="en-US" altLang="ja-JP" dirty="0" smtClean="0"/>
+          </a:p>
+          <a:p>
+            <a:pPr lvl="1"/>
+            <a:r>
+              <a:rPr lang="ja-JP" altLang="en-US" dirty="0"/>
+              <a:t>金融</a:t>
+            </a:r>
+            <a:r>
+              <a:rPr lang="ja-JP" altLang="en-US" dirty="0" smtClean="0"/>
+              <a:t>機関</a:t>
+            </a:r>
+            <a:r>
+              <a:rPr lang="en-US" altLang="ja-JP" dirty="0" smtClean="0"/>
+              <a:t>(</a:t>
+            </a:r>
+            <a:r>
+              <a:rPr lang="ja-JP" altLang="en-US" dirty="0" smtClean="0"/>
+              <a:t>ミクロ</a:t>
+            </a:r>
+            <a:r>
+              <a:rPr lang="en-US" altLang="ja-JP" dirty="0" smtClean="0"/>
+              <a:t>)</a:t>
+            </a:r>
+            <a:r>
+              <a:rPr lang="ja-JP" altLang="en-US" dirty="0" smtClean="0"/>
+              <a:t>の分析</a:t>
+            </a:r>
+            <a:endParaRPr lang="en-US" altLang="ja-JP" dirty="0" smtClean="0"/>
+          </a:p>
+          <a:p>
+            <a:pPr lvl="1"/>
+            <a:r>
+              <a:rPr lang="ja-JP" altLang="en-US" dirty="0" smtClean="0"/>
+              <a:t>二つの融合</a:t>
+            </a:r>
+            <a:endParaRPr lang="en-US" altLang="ja-JP" dirty="0" smtClean="0"/>
+          </a:p>
+          <a:p>
+            <a:r>
+              <a:rPr lang="ja-JP" altLang="en-US" dirty="0" smtClean="0"/>
+              <a:t>規制・監督の制度　→自己資本規制</a:t>
+            </a:r>
+            <a:endParaRPr lang="en-US" altLang="ja-JP" dirty="0" smtClean="0"/>
+          </a:p>
+          <a:p>
+            <a:r>
+              <a:rPr lang="ja-JP" altLang="en-US" dirty="0" smtClean="0"/>
+              <a:t>ファイナンシャル・リテラシー</a:t>
+            </a:r>
+            <a:endParaRPr lang="en-US" altLang="ja-JP" dirty="0" smtClean="0"/>
+          </a:p>
+          <a:p>
+            <a:endParaRPr lang="en-US" altLang="ja-JP" dirty="0"/>
+          </a:p>
+          <a:p>
+            <a:endParaRPr lang="en-US" altLang="ja-JP" dirty="0"/>
+          </a:p>
+          <a:p>
+            <a:endParaRPr kumimoji="1" lang="en-US" altLang="ja-JP" dirty="0" smtClean="0"/>
+          </a:p>
+          <a:p>
+            <a:endParaRPr kumimoji="1" lang="ja-JP" altLang="en-US" dirty="0"/>
+          </a:p>
+        </p:txBody>
+      </p:sp>
+      <p:sp>
+        <p:nvSpPr>
+          <p:cNvPr id="4" name="スライド番号プレースホルダー 3"/>
+          <p:cNvSpPr>
+            <a:spLocks noGrp="1"/>
+          </p:cNvSpPr>
+          <p:nvPr>
+            <p:ph type="sldNum" sz="quarter" idx="12"/>
+          </p:nvPr>
+        </p:nvSpPr>
+        <p:spPr/>
+        <p:txBody>
+          <a:bodyPr/>
+          <a:lstStyle/>
+          <a:p>
+            <a:fld id="{2DD9D90A-4D94-4525-A16D-2717D27F54F2}" type="slidenum">
+              <a:rPr kumimoji="1" lang="ja-JP" altLang="en-US" smtClean="0"/>
+              <a:pPr/>
+              <a:t>7</a:t>
+            </a:fld>
+            <a:endParaRPr kumimoji="1" lang="ja-JP" altLang="en-US" dirty="0"/>
+          </a:p>
+        </p:txBody>
+      </p:sp>
+      <p:sp>
+        <p:nvSpPr>
+          <p:cNvPr id="5" name="フッター プレースホルダー 4"/>
+          <p:cNvSpPr>
+            <a:spLocks noGrp="1"/>
+          </p:cNvSpPr>
+          <p:nvPr>
+            <p:ph type="ftr" sz="quarter" idx="11"/>
+          </p:nvPr>
+        </p:nvSpPr>
+        <p:spPr/>
+        <p:txBody>
+          <a:bodyPr/>
+          <a:lstStyle/>
+          <a:p>
+            <a:r>
+              <a:rPr kumimoji="1" lang="en-US" altLang="ja-JP" smtClean="0"/>
+              <a:t>/7</a:t>
+            </a:r>
+            <a:endParaRPr kumimoji="1" lang="ja-JP" altLang="en-US" dirty="0"/>
+          </a:p>
+        </p:txBody>
+      </p:sp>
+    </p:spTree>
+    <p:extLst>
+      <p:ext uri="{BB962C8B-B14F-4D97-AF65-F5344CB8AC3E}">
+        <p14:creationId xmlns:p14="http://schemas.microsoft.com/office/powerpoint/2010/main" val="295278977"/>
+      </p:ext>
+    </p:extLst>
+  </p:cSld>
+  <p:clrMapOvr>
+    <a:masterClrMapping/>
+  </p:clrMapOvr>
+</p:sld>
+</file>
+
+<file path=ppt/slides/slide8.xml><?xml version="1.0" encoding="utf-8"?>
 <p:sld xmlns:a="http://schemas.openxmlformats.org/drawingml/2006/main" xmlns:r="http://schemas.openxmlformats.org/officeDocument/2006/relationships" xmlns:p="http://schemas.openxmlformats.org/presentationml/2006/main">
   <p:cSld>
     <p:spTree>
@@ -5731,7 +6824,7 @@
   <a:extraClrSchemeLst/>
   <a:extLst>
     <a:ext uri="{05A4C25C-085E-4340-85A3-A5531E510DB2}">
-      <thm15:themeFamily xmlns:thm15="http://schemas.microsoft.com/office/thememl/2012/main" name="Office Theme" id="{62F939B6-93AF-4DB8-9C6B-D6C7DFDC589F}" vid="{4A3C46E8-61CC-4603-A589-7422A47A8E4A}"/>
+      <thm15:themeFamily xmlns:thm15="http://schemas.microsoft.com/office/thememl/2012/main" xmlns="" name="Office Theme" id="{62F939B6-93AF-4DB8-9C6B-D6C7DFDC589F}" vid="{4A3C46E8-61CC-4603-A589-7422A47A8E4A}"/>
     </a:ext>
   </a:extLst>
 </a:theme>
@@ -5992,7 +7085,7 @@
   <a:extraClrSchemeLst/>
   <a:extLst>
     <a:ext uri="{05A4C25C-085E-4340-85A3-A5531E510DB2}">
-      <thm15:themeFamily xmlns:thm15="http://schemas.microsoft.com/office/thememl/2012/main" name="Office Theme" id="{62F939B6-93AF-4DB8-9C6B-D6C7DFDC589F}" vid="{4A3C46E8-61CC-4603-A589-7422A47A8E4A}"/>
+      <thm15:themeFamily xmlns:thm15="http://schemas.microsoft.com/office/thememl/2012/main" xmlns="" name="Office Theme" id="{62F939B6-93AF-4DB8-9C6B-D6C7DFDC589F}" vid="{4A3C46E8-61CC-4603-A589-7422A47A8E4A}"/>
     </a:ext>
   </a:extLst>
 </a:theme>
@@ -6253,7 +7346,7 @@
   <a:extraClrSchemeLst/>
   <a:extLst>
     <a:ext uri="{05A4C25C-085E-4340-85A3-A5531E510DB2}">
-      <thm15:themeFamily xmlns:thm15="http://schemas.microsoft.com/office/thememl/2012/main" name="Office Theme" id="{62F939B6-93AF-4DB8-9C6B-D6C7DFDC589F}" vid="{4A3C46E8-61CC-4603-A589-7422A47A8E4A}"/>
+      <thm15:themeFamily xmlns:thm15="http://schemas.microsoft.com/office/thememl/2012/main" xmlns="" name="Office Theme" id="{62F939B6-93AF-4DB8-9C6B-D6C7DFDC589F}" vid="{4A3C46E8-61CC-4603-A589-7422A47A8E4A}"/>
     </a:ext>
   </a:extLst>
 </a:theme>
